--- a/xxxxx005_RPC/020_RemoteProcedureCall.pptx
+++ b/xxxxx005_RPC/020_RemoteProcedureCall.pptx
@@ -3936,13 +3936,13 @@
         </p:nvSpPr>
         <p:spPr>
           <a:xfrm>
-            <a:off x="1444133" y="808504"/>
+            <a:off x="1417322" y="971002"/>
             <a:ext cx="798693" cy="272415"/>
           </a:xfrm>
           <a:prstGeom prst="wedgeRoundRectCallout">
             <a:avLst>
-              <a:gd name="adj1" fmla="val -69728"/>
-              <a:gd name="adj2" fmla="val 139423"/>
+              <a:gd name="adj1" fmla="val -75412"/>
+              <a:gd name="adj2" fmla="val 8490"/>
               <a:gd name="adj3" fmla="val 16667"/>
             </a:avLst>
           </a:prstGeom>
@@ -4011,13 +4011,13 @@
         </p:nvSpPr>
         <p:spPr>
           <a:xfrm>
-            <a:off x="1442617" y="1544737"/>
+            <a:off x="1436570" y="1579338"/>
             <a:ext cx="808591" cy="272415"/>
           </a:xfrm>
           <a:prstGeom prst="wedgeRoundRectCallout">
             <a:avLst>
-              <a:gd name="adj1" fmla="val -59706"/>
-              <a:gd name="adj2" fmla="val -94842"/>
+              <a:gd name="adj1" fmla="val -74142"/>
+              <a:gd name="adj2" fmla="val -11521"/>
               <a:gd name="adj3" fmla="val 16667"/>
             </a:avLst>
           </a:prstGeom>
@@ -4072,79 +4072,6 @@
           </a:p>
         </p:txBody>
       </p:sp>
-      <p:sp>
-        <p:nvSpPr>
-          <p:cNvPr id="20" name="吹き出し: 角を丸めた四角形 19">
-            <a:extLst>
-              <a:ext uri="{FF2B5EF4-FFF2-40B4-BE49-F238E27FC236}">
-                <a16:creationId xmlns:a16="http://schemas.microsoft.com/office/drawing/2014/main" id="{1698EAA9-28FA-3E1C-E9A4-92D9CF6A4046}"/>
-              </a:ext>
-            </a:extLst>
-          </p:cNvPr>
-          <p:cNvSpPr/>
-          <p:nvPr/>
-        </p:nvSpPr>
-        <p:spPr>
-          <a:xfrm>
-            <a:off x="4162740" y="1715546"/>
-            <a:ext cx="808591" cy="272415"/>
-          </a:xfrm>
-          <a:prstGeom prst="wedgeRoundRectCallout">
-            <a:avLst>
-              <a:gd name="adj1" fmla="val -69130"/>
-              <a:gd name="adj2" fmla="val 83479"/>
-              <a:gd name="adj3" fmla="val 16667"/>
-            </a:avLst>
-          </a:prstGeom>
-          <a:solidFill>
-            <a:srgbClr val="FF0000"/>
-          </a:solidFill>
-          <a:ln>
-            <a:noFill/>
-          </a:ln>
-        </p:spPr>
-        <p:style>
-          <a:lnRef idx="2">
-            <a:schemeClr val="accent1">
-              <a:shade val="50000"/>
-            </a:schemeClr>
-          </a:lnRef>
-          <a:fillRef idx="1">
-            <a:schemeClr val="accent1"/>
-          </a:fillRef>
-          <a:effectRef idx="0">
-            <a:schemeClr val="accent1"/>
-          </a:effectRef>
-          <a:fontRef idx="minor">
-            <a:schemeClr val="lt1"/>
-          </a:fontRef>
-        </p:style>
-        <p:txBody>
-          <a:bodyPr wrap="none" rtlCol="0" anchor="ctr">
-            <a:noAutofit/>
-          </a:bodyPr>
-          <a:lstStyle/>
-          <a:p>
-            <a:pPr algn="ctr"/>
-            <a:r>
-              <a:rPr kumimoji="1" lang="en-US" altLang="ja-JP" sz="1000" dirty="0">
-                <a:solidFill>
-                  <a:schemeClr val="bg1"/>
-                </a:solidFill>
-              </a:rPr>
-              <a:t>Hello </a:t>
-            </a:r>
-            <a:r>
-              <a:rPr kumimoji="1" lang="ja-JP" altLang="en-US" sz="1000" dirty="0">
-                <a:solidFill>
-                  <a:schemeClr val="bg1"/>
-                </a:solidFill>
-              </a:rPr>
-              <a:t>関数</a:t>
-            </a:r>
-          </a:p>
-        </p:txBody>
-      </p:sp>
       <p:cxnSp>
         <p:nvCxnSpPr>
           <p:cNvPr id="22" name="直線矢印コネクタ 21">
@@ -4162,12 +4089,12 @@
         </p:nvCxnSpPr>
         <p:spPr>
           <a:xfrm>
-            <a:off x="2242826" y="944712"/>
-            <a:ext cx="8382" cy="736233"/>
+            <a:off x="2216015" y="1107210"/>
+            <a:ext cx="29146" cy="608336"/>
           </a:xfrm>
           <a:prstGeom prst="bentConnector3">
             <a:avLst>
-              <a:gd name="adj1" fmla="val 2827273"/>
+              <a:gd name="adj1" fmla="val 884327"/>
             </a:avLst>
           </a:prstGeom>
           <a:ln>
@@ -4200,23 +4127,24 @@
           </p:cNvPr>
           <p:cNvCxnSpPr>
             <a:cxnSpLocks/>
-            <a:stCxn id="18" idx="2"/>
+            <a:stCxn id="27" idx="2"/>
+            <a:endCxn id="20" idx="0"/>
           </p:cNvCxnSpPr>
           <p:nvPr/>
         </p:nvCxnSpPr>
         <p:spPr>
           <a:xfrm rot="16200000" flipH="1">
-            <a:off x="3877961" y="1169190"/>
-            <a:ext cx="667314" cy="425398"/>
+            <a:off x="3803672" y="952181"/>
+            <a:ext cx="684927" cy="841802"/>
           </a:xfrm>
           <a:prstGeom prst="bentConnector3">
             <a:avLst>
-              <a:gd name="adj1" fmla="val 69983"/>
+              <a:gd name="adj1" fmla="val 78405"/>
             </a:avLst>
           </a:prstGeom>
           <a:ln>
             <a:solidFill>
-              <a:srgbClr val="0070C0"/>
+              <a:schemeClr val="accent2"/>
             </a:solidFill>
             <a:tailEnd type="triangle"/>
           </a:ln>
@@ -4262,7 +4190,7 @@
           </a:prstGeom>
           <a:ln>
             <a:solidFill>
-              <a:srgbClr val="0070C0"/>
+              <a:schemeClr val="accent2"/>
             </a:solidFill>
             <a:tailEnd type="triangle"/>
           </a:ln>
@@ -4331,7 +4259,7 @@
         </p:nvSpPr>
         <p:spPr>
           <a:xfrm>
-            <a:off x="3669936" y="1287473"/>
+            <a:off x="3686431" y="1318331"/>
             <a:ext cx="697627" cy="246221"/>
           </a:xfrm>
           <a:prstGeom prst="rect">
@@ -4483,10 +4411,10 @@
       </p:pic>
       <p:sp>
         <p:nvSpPr>
-          <p:cNvPr id="18" name="吹き出し: 角を丸めた四角形 17">
-            <a:extLst>
-              <a:ext uri="{FF2B5EF4-FFF2-40B4-BE49-F238E27FC236}">
-                <a16:creationId xmlns:a16="http://schemas.microsoft.com/office/drawing/2014/main" id="{35F73A3E-C5E3-332B-CB2C-400C19705DC9}"/>
+          <p:cNvPr id="19" name="吹き出し: 角を丸めた四角形 18">
+            <a:extLst>
+              <a:ext uri="{FF2B5EF4-FFF2-40B4-BE49-F238E27FC236}">
+                <a16:creationId xmlns:a16="http://schemas.microsoft.com/office/drawing/2014/main" id="{6CB966EB-3612-F92B-5DB7-5571B1FC687A}"/>
               </a:ext>
             </a:extLst>
           </p:cNvPr>
@@ -4495,13 +4423,13 @@
         </p:nvSpPr>
         <p:spPr>
           <a:xfrm>
-            <a:off x="3599572" y="775817"/>
+            <a:off x="5169716" y="775817"/>
             <a:ext cx="798693" cy="272415"/>
           </a:xfrm>
           <a:prstGeom prst="wedgeRoundRectCallout">
             <a:avLst>
-              <a:gd name="adj1" fmla="val 69803"/>
-              <a:gd name="adj2" fmla="val 72990"/>
+              <a:gd name="adj1" fmla="val 55771"/>
+              <a:gd name="adj2" fmla="val 36165"/>
               <a:gd name="adj3" fmla="val 16667"/>
             </a:avLst>
           </a:prstGeom>
@@ -4556,12 +4484,143 @@
           </a:p>
         </p:txBody>
       </p:sp>
-      <p:sp>
-        <p:nvSpPr>
-          <p:cNvPr id="19" name="吹き出し: 角を丸めた四角形 18">
-            <a:extLst>
-              <a:ext uri="{FF2B5EF4-FFF2-40B4-BE49-F238E27FC236}">
-                <a16:creationId xmlns:a16="http://schemas.microsoft.com/office/drawing/2014/main" id="{6CB966EB-3612-F92B-5DB7-5571B1FC687A}"/>
+      <p:pic>
+        <p:nvPicPr>
+          <p:cNvPr id="1035" name="図 1034">
+            <a:extLst>
+              <a:ext uri="{FF2B5EF4-FFF2-40B4-BE49-F238E27FC236}">
+                <a16:creationId xmlns:a16="http://schemas.microsoft.com/office/drawing/2014/main" id="{734F1186-D858-CA96-4D42-7014289E3814}"/>
+              </a:ext>
+            </a:extLst>
+          </p:cNvPr>
+          <p:cNvPicPr>
+            <a:picLocks noChangeAspect="1"/>
+          </p:cNvPicPr>
+          <p:nvPr/>
+        </p:nvPicPr>
+        <p:blipFill>
+          <a:blip r:embed="rId6"/>
+          <a:stretch>
+            <a:fillRect/>
+          </a:stretch>
+        </p:blipFill>
+        <p:spPr>
+          <a:xfrm>
+            <a:off x="3660556" y="1793424"/>
+            <a:ext cx="476250" cy="352425"/>
+          </a:xfrm>
+          <a:prstGeom prst="rect">
+            <a:avLst/>
+          </a:prstGeom>
+        </p:spPr>
+      </p:pic>
+      <p:sp>
+        <p:nvSpPr>
+          <p:cNvPr id="1038" name="テキスト ボックス 1037">
+            <a:extLst>
+              <a:ext uri="{FF2B5EF4-FFF2-40B4-BE49-F238E27FC236}">
+                <a16:creationId xmlns:a16="http://schemas.microsoft.com/office/drawing/2014/main" id="{2FDD5157-D3CA-FEB1-C191-932699C1E3B8}"/>
+              </a:ext>
+            </a:extLst>
+          </p:cNvPr>
+          <p:cNvSpPr txBox="1"/>
+          <p:nvPr/>
+        </p:nvSpPr>
+        <p:spPr>
+          <a:xfrm>
+            <a:off x="3114324" y="3057628"/>
+            <a:ext cx="3376245" cy="215444"/>
+          </a:xfrm>
+          <a:prstGeom prst="rect">
+            <a:avLst/>
+          </a:prstGeom>
+          <a:noFill/>
+        </p:spPr>
+        <p:txBody>
+          <a:bodyPr wrap="none" rtlCol="0">
+            <a:spAutoFit/>
+          </a:bodyPr>
+          <a:lstStyle/>
+          <a:p>
+            <a:pPr algn="ctr"/>
+            <a:r>
+              <a:rPr lang="en-US" altLang="ja-JP" sz="800" b="0" i="0" u="none" strike="noStrike" dirty="0">
+                <a:solidFill>
+                  <a:schemeClr val="bg1">
+                    <a:lumMod val="65000"/>
+                  </a:schemeClr>
+                </a:solidFill>
+                <a:effectLst/>
+                <a:latin typeface="游ゴシック" panose="020B0400000000000000" pitchFamily="50" charset="-128"/>
+                <a:ea typeface="游ゴシック" panose="020B0400000000000000" pitchFamily="50" charset="-128"/>
+              </a:rPr>
+              <a:t>“</a:t>
+            </a:r>
+            <a:r>
+              <a:rPr lang="ja-JP" altLang="en-US" sz="800" b="0" i="0" u="none" strike="noStrike" dirty="0">
+                <a:solidFill>
+                  <a:schemeClr val="bg1">
+                    <a:lumMod val="65000"/>
+                  </a:schemeClr>
+                </a:solidFill>
+                <a:effectLst/>
+                <a:latin typeface="游ゴシック" panose="020B0400000000000000" pitchFamily="50" charset="-128"/>
+                <a:ea typeface="游ゴシック" panose="020B0400000000000000" pitchFamily="50" charset="-128"/>
+              </a:rPr>
+              <a:t>リモート関数呼び出し</a:t>
+            </a:r>
+            <a:r>
+              <a:rPr lang="en-US" altLang="ja-JP" sz="800" b="0" i="0" u="none" strike="noStrike" dirty="0">
+                <a:solidFill>
+                  <a:schemeClr val="bg1">
+                    <a:lumMod val="65000"/>
+                  </a:schemeClr>
+                </a:solidFill>
+                <a:effectLst/>
+                <a:latin typeface="游ゴシック" panose="020B0400000000000000" pitchFamily="50" charset="-128"/>
+                <a:ea typeface="游ゴシック" panose="020B0400000000000000" pitchFamily="50" charset="-128"/>
+              </a:rPr>
+              <a:t>" by Yamaoka is licensed under CC BY 2.0</a:t>
+            </a:r>
+            <a:r>
+              <a:rPr lang="en-US" altLang="ja-JP" sz="800" b="0" i="0" u="none" strike="noStrike" dirty="0">
+                <a:solidFill>
+                  <a:schemeClr val="bg1">
+                    <a:lumMod val="65000"/>
+                  </a:schemeClr>
+                </a:solidFill>
+                <a:effectLst/>
+                <a:latin typeface="Tahoma" panose="020B0604030504040204" pitchFamily="34" charset="0"/>
+                <a:ea typeface="游ゴシック" panose="020B0400000000000000" pitchFamily="50" charset="-128"/>
+              </a:rPr>
+              <a:t>﻿</a:t>
+            </a:r>
+            <a:r>
+              <a:rPr lang="en-US" altLang="ja-JP" sz="800" dirty="0">
+                <a:solidFill>
+                  <a:schemeClr val="bg1">
+                    <a:lumMod val="65000"/>
+                  </a:schemeClr>
+                </a:solidFill>
+              </a:rPr>
+              <a:t> </a:t>
+            </a:r>
+            <a:endParaRPr kumimoji="1" lang="ja-JP" altLang="en-US" sz="800" dirty="0">
+              <a:solidFill>
+                <a:schemeClr val="bg1">
+                  <a:lumMod val="65000"/>
+                </a:schemeClr>
+              </a:solidFill>
+            </a:endParaRPr>
+          </a:p>
+        </p:txBody>
+      </p:sp>
+      <p:sp>
+        <p:nvSpPr>
+          <p:cNvPr id="20" name="吹き出し: 角を丸めた四角形 19">
+            <a:extLst>
+              <a:ext uri="{FF2B5EF4-FFF2-40B4-BE49-F238E27FC236}">
+                <a16:creationId xmlns:a16="http://schemas.microsoft.com/office/drawing/2014/main" id="{1698EAA9-28FA-3E1C-E9A4-92D9CF6A4046}"/>
               </a:ext>
             </a:extLst>
           </p:cNvPr>
@@ -4570,13 +4629,138 @@
         </p:nvSpPr>
         <p:spPr>
           <a:xfrm>
-            <a:off x="5169716" y="775817"/>
+            <a:off x="4162740" y="1715546"/>
+            <a:ext cx="808591" cy="272415"/>
+          </a:xfrm>
+          <a:prstGeom prst="wedgeRoundRectCallout">
+            <a:avLst>
+              <a:gd name="adj1" fmla="val -70734"/>
+              <a:gd name="adj2" fmla="val 23964"/>
+              <a:gd name="adj3" fmla="val 16667"/>
+            </a:avLst>
+          </a:prstGeom>
+          <a:solidFill>
+            <a:schemeClr val="accent2"/>
+          </a:solidFill>
+          <a:ln>
+            <a:noFill/>
+          </a:ln>
+        </p:spPr>
+        <p:style>
+          <a:lnRef idx="2">
+            <a:schemeClr val="accent1">
+              <a:shade val="50000"/>
+            </a:schemeClr>
+          </a:lnRef>
+          <a:fillRef idx="1">
+            <a:schemeClr val="accent1"/>
+          </a:fillRef>
+          <a:effectRef idx="0">
+            <a:schemeClr val="accent1"/>
+          </a:effectRef>
+          <a:fontRef idx="minor">
+            <a:schemeClr val="lt1"/>
+          </a:fontRef>
+        </p:style>
+        <p:txBody>
+          <a:bodyPr wrap="none" rtlCol="0" anchor="ctr">
+            <a:noAutofit/>
+          </a:bodyPr>
+          <a:lstStyle/>
+          <a:p>
+            <a:pPr algn="ctr"/>
+            <a:r>
+              <a:rPr kumimoji="1" lang="en-US" altLang="ja-JP" sz="1000" dirty="0">
+                <a:solidFill>
+                  <a:schemeClr val="bg1"/>
+                </a:solidFill>
+              </a:rPr>
+              <a:t>Hello </a:t>
+            </a:r>
+            <a:r>
+              <a:rPr kumimoji="1" lang="ja-JP" altLang="en-US" sz="1000" dirty="0">
+                <a:solidFill>
+                  <a:schemeClr val="bg1"/>
+                </a:solidFill>
+              </a:rPr>
+              <a:t>関数</a:t>
+            </a:r>
+          </a:p>
+        </p:txBody>
+      </p:sp>
+      <p:sp>
+        <p:nvSpPr>
+          <p:cNvPr id="27" name="正方形/長方形 26">
+            <a:extLst>
+              <a:ext uri="{FF2B5EF4-FFF2-40B4-BE49-F238E27FC236}">
+                <a16:creationId xmlns:a16="http://schemas.microsoft.com/office/drawing/2014/main" id="{D322846C-E279-B400-EBDD-A39E822700C9}"/>
+              </a:ext>
+            </a:extLst>
+          </p:cNvPr>
+          <p:cNvSpPr/>
+          <p:nvPr/>
+        </p:nvSpPr>
+        <p:spPr>
+          <a:xfrm>
+            <a:off x="3689234" y="958619"/>
+            <a:ext cx="72000" cy="72000"/>
+          </a:xfrm>
+          <a:prstGeom prst="rect">
+            <a:avLst/>
+          </a:prstGeom>
+          <a:noFill/>
+          <a:ln>
+            <a:solidFill>
+              <a:schemeClr val="bg2"/>
+            </a:solidFill>
+          </a:ln>
+        </p:spPr>
+        <p:style>
+          <a:lnRef idx="2">
+            <a:schemeClr val="accent1">
+              <a:shade val="50000"/>
+            </a:schemeClr>
+          </a:lnRef>
+          <a:fillRef idx="1">
+            <a:schemeClr val="accent1"/>
+          </a:fillRef>
+          <a:effectRef idx="0">
+            <a:schemeClr val="accent1"/>
+          </a:effectRef>
+          <a:fontRef idx="minor">
+            <a:schemeClr val="lt1"/>
+          </a:fontRef>
+        </p:style>
+        <p:txBody>
+          <a:bodyPr rtlCol="0" anchor="ctr"/>
+          <a:lstStyle/>
+          <a:p>
+            <a:pPr algn="ctr"/>
+            <a:endParaRPr kumimoji="1" lang="ja-JP" altLang="en-US"/>
+          </a:p>
+        </p:txBody>
+      </p:sp>
+      <p:sp>
+        <p:nvSpPr>
+          <p:cNvPr id="18" name="吹き出し: 角を丸めた四角形 17">
+            <a:extLst>
+              <a:ext uri="{FF2B5EF4-FFF2-40B4-BE49-F238E27FC236}">
+                <a16:creationId xmlns:a16="http://schemas.microsoft.com/office/drawing/2014/main" id="{35F73A3E-C5E3-332B-CB2C-400C19705DC9}"/>
+              </a:ext>
+            </a:extLst>
+          </p:cNvPr>
+          <p:cNvSpPr/>
+          <p:nvPr/>
+        </p:nvSpPr>
+        <p:spPr>
+          <a:xfrm>
+            <a:off x="3599572" y="775817"/>
             <a:ext cx="798693" cy="272415"/>
           </a:xfrm>
           <a:prstGeom prst="wedgeRoundRectCallout">
             <a:avLst>
-              <a:gd name="adj1" fmla="val 61455"/>
-              <a:gd name="adj2" fmla="val 69493"/>
+              <a:gd name="adj1" fmla="val 64119"/>
+              <a:gd name="adj2" fmla="val 15855"/>
               <a:gd name="adj3" fmla="val 16667"/>
             </a:avLst>
           </a:prstGeom>
@@ -4628,137 +4812,6 @@
               </a:rPr>
               <a:t>関数</a:t>
             </a:r>
-          </a:p>
-        </p:txBody>
-      </p:sp>
-      <p:pic>
-        <p:nvPicPr>
-          <p:cNvPr id="1035" name="図 1034">
-            <a:extLst>
-              <a:ext uri="{FF2B5EF4-FFF2-40B4-BE49-F238E27FC236}">
-                <a16:creationId xmlns:a16="http://schemas.microsoft.com/office/drawing/2014/main" id="{734F1186-D858-CA96-4D42-7014289E3814}"/>
-              </a:ext>
-            </a:extLst>
-          </p:cNvPr>
-          <p:cNvPicPr>
-            <a:picLocks noChangeAspect="1"/>
-          </p:cNvPicPr>
-          <p:nvPr/>
-        </p:nvPicPr>
-        <p:blipFill>
-          <a:blip r:embed="rId6"/>
-          <a:stretch>
-            <a:fillRect/>
-          </a:stretch>
-        </p:blipFill>
-        <p:spPr>
-          <a:xfrm>
-            <a:off x="3660556" y="1793424"/>
-            <a:ext cx="476250" cy="352425"/>
-          </a:xfrm>
-          <a:prstGeom prst="rect">
-            <a:avLst/>
-          </a:prstGeom>
-        </p:spPr>
-      </p:pic>
-      <p:sp>
-        <p:nvSpPr>
-          <p:cNvPr id="1038" name="テキスト ボックス 1037">
-            <a:extLst>
-              <a:ext uri="{FF2B5EF4-FFF2-40B4-BE49-F238E27FC236}">
-                <a16:creationId xmlns:a16="http://schemas.microsoft.com/office/drawing/2014/main" id="{2FDD5157-D3CA-FEB1-C191-932699C1E3B8}"/>
-              </a:ext>
-            </a:extLst>
-          </p:cNvPr>
-          <p:cNvSpPr txBox="1"/>
-          <p:nvPr/>
-        </p:nvSpPr>
-        <p:spPr>
-          <a:xfrm>
-            <a:off x="3114324" y="3057628"/>
-            <a:ext cx="3376245" cy="215444"/>
-          </a:xfrm>
-          <a:prstGeom prst="rect">
-            <a:avLst/>
-          </a:prstGeom>
-          <a:noFill/>
-        </p:spPr>
-        <p:txBody>
-          <a:bodyPr wrap="none" rtlCol="0">
-            <a:spAutoFit/>
-          </a:bodyPr>
-          <a:lstStyle/>
-          <a:p>
-            <a:pPr algn="ctr"/>
-            <a:r>
-              <a:rPr lang="en-US" altLang="ja-JP" sz="800" b="0" i="0" u="none" strike="noStrike" dirty="0">
-                <a:solidFill>
-                  <a:schemeClr val="bg1">
-                    <a:lumMod val="65000"/>
-                  </a:schemeClr>
-                </a:solidFill>
-                <a:effectLst/>
-                <a:latin typeface="游ゴシック" panose="020B0400000000000000" pitchFamily="50" charset="-128"/>
-                <a:ea typeface="游ゴシック" panose="020B0400000000000000" pitchFamily="50" charset="-128"/>
-              </a:rPr>
-              <a:t>“</a:t>
-            </a:r>
-            <a:r>
-              <a:rPr lang="ja-JP" altLang="en-US" sz="800" b="0" i="0" u="none" strike="noStrike" dirty="0">
-                <a:solidFill>
-                  <a:schemeClr val="bg1">
-                    <a:lumMod val="65000"/>
-                  </a:schemeClr>
-                </a:solidFill>
-                <a:effectLst/>
-                <a:latin typeface="游ゴシック" panose="020B0400000000000000" pitchFamily="50" charset="-128"/>
-                <a:ea typeface="游ゴシック" panose="020B0400000000000000" pitchFamily="50" charset="-128"/>
-              </a:rPr>
-              <a:t>リモート関数呼び出し</a:t>
-            </a:r>
-            <a:r>
-              <a:rPr lang="en-US" altLang="ja-JP" sz="800" b="0" i="0" u="none" strike="noStrike" dirty="0">
-                <a:solidFill>
-                  <a:schemeClr val="bg1">
-                    <a:lumMod val="65000"/>
-                  </a:schemeClr>
-                </a:solidFill>
-                <a:effectLst/>
-                <a:latin typeface="游ゴシック" panose="020B0400000000000000" pitchFamily="50" charset="-128"/>
-                <a:ea typeface="游ゴシック" panose="020B0400000000000000" pitchFamily="50" charset="-128"/>
-              </a:rPr>
-              <a:t>" by Yamaoka is licensed under CC BY 2.0</a:t>
-            </a:r>
-            <a:r>
-              <a:rPr lang="en-US" altLang="ja-JP" sz="800" b="0" i="0" u="none" strike="noStrike" dirty="0">
-                <a:solidFill>
-                  <a:schemeClr val="bg1">
-                    <a:lumMod val="65000"/>
-                  </a:schemeClr>
-                </a:solidFill>
-                <a:effectLst/>
-                <a:latin typeface="Tahoma" panose="020B0604030504040204" pitchFamily="34" charset="0"/>
-                <a:ea typeface="游ゴシック" panose="020B0400000000000000" pitchFamily="50" charset="-128"/>
-              </a:rPr>
-              <a:t>﻿</a:t>
-            </a:r>
-            <a:r>
-              <a:rPr lang="en-US" altLang="ja-JP" sz="800" dirty="0">
-                <a:solidFill>
-                  <a:schemeClr val="bg1">
-                    <a:lumMod val="65000"/>
-                  </a:schemeClr>
-                </a:solidFill>
-              </a:rPr>
-              <a:t> </a:t>
-            </a:r>
-            <a:endParaRPr kumimoji="1" lang="ja-JP" altLang="en-US" sz="800" dirty="0">
-              <a:solidFill>
-                <a:schemeClr val="bg1">
-                  <a:lumMod val="65000"/>
-                </a:schemeClr>
-              </a:solidFill>
-            </a:endParaRPr>
           </a:p>
         </p:txBody>
       </p:sp>
